--- a/wednesday/Closing_Thoughts.pptx
+++ b/wednesday/Closing_Thoughts.pptx
@@ -5,7 +5,7 @@
     <p:sldMasterId id="2147483648" r:id="rId1"/>
   </p:sldMasterIdLst>
   <p:notesMasterIdLst>
-    <p:notesMasterId r:id="rId9"/>
+    <p:notesMasterId r:id="rId7"/>
   </p:notesMasterIdLst>
   <p:sldIdLst>
     <p:sldId id="372" r:id="rId2"/>
@@ -13,8 +13,6 @@
     <p:sldId id="382" r:id="rId4"/>
     <p:sldId id="377" r:id="rId5"/>
     <p:sldId id="376" r:id="rId6"/>
-    <p:sldId id="379" r:id="rId7"/>
-    <p:sldId id="380" r:id="rId8"/>
   </p:sldIdLst>
   <p:sldSz cx="12192000" cy="6858000"/>
   <p:notesSz cx="6858000" cy="9144000"/>
@@ -203,7 +201,7 @@
           <a:p>
             <a:fld id="{2BB4664A-E94C-1E48-87DE-6B2D861CC4E3}" type="datetimeFigureOut">
               <a:rPr lang="en-US" smtClean="0"/>
-              <a:t>9/12/17</a:t>
+              <a:t>12/20/17</a:t>
             </a:fld>
             <a:endParaRPr lang="en-US"/>
           </a:p>
@@ -267,38 +265,37 @@
           <a:p>
             <a:pPr lvl="0"/>
             <a:r>
-              <a:rPr lang="en-US" smtClean="0"/>
+              <a:rPr lang="en-US"/>
               <a:t>Click to edit Master text styles</a:t>
             </a:r>
           </a:p>
           <a:p>
             <a:pPr lvl="1"/>
             <a:r>
-              <a:rPr lang="en-US" smtClean="0"/>
+              <a:rPr lang="en-US"/>
               <a:t>Second level</a:t>
             </a:r>
           </a:p>
           <a:p>
             <a:pPr lvl="2"/>
             <a:r>
-              <a:rPr lang="en-US" smtClean="0"/>
+              <a:rPr lang="en-US"/>
               <a:t>Third level</a:t>
             </a:r>
           </a:p>
           <a:p>
             <a:pPr lvl="3"/>
             <a:r>
-              <a:rPr lang="en-US" smtClean="0"/>
+              <a:rPr lang="en-US"/>
               <a:t>Fourth level</a:t>
             </a:r>
           </a:p>
           <a:p>
             <a:pPr lvl="4"/>
             <a:r>
-              <a:rPr lang="en-US" smtClean="0"/>
+              <a:rPr lang="en-US"/>
               <a:t>Fifth level</a:t>
             </a:r>
-            <a:endParaRPr lang="en-US"/>
           </a:p>
         </p:txBody>
       </p:sp>
@@ -603,10 +600,9 @@
           </a:lstStyle>
           <a:p>
             <a:r>
-              <a:rPr lang="en-US" smtClean="0"/>
+              <a:rPr lang="en-US"/>
               <a:t>Click to edit Master title style</a:t>
             </a:r>
-            <a:endParaRPr lang="en-US"/>
           </a:p>
         </p:txBody>
       </p:sp>
@@ -668,10 +664,9 @@
           </a:lstStyle>
           <a:p>
             <a:r>
-              <a:rPr lang="en-US" smtClean="0"/>
+              <a:rPr lang="en-US"/>
               <a:t>Click to edit Master subtitle style</a:t>
             </a:r>
-            <a:endParaRPr lang="en-US"/>
           </a:p>
         </p:txBody>
       </p:sp>
@@ -692,7 +687,7 @@
           <a:p>
             <a:fld id="{E70F27B2-3269-4E45-84E0-3A554EA5F6EB}" type="datetimeFigureOut">
               <a:rPr lang="en-US" smtClean="0"/>
-              <a:t>9/12/17</a:t>
+              <a:t>12/20/17</a:t>
             </a:fld>
             <a:endParaRPr lang="en-US"/>
           </a:p>
@@ -786,10 +781,9 @@
           <a:lstStyle/>
           <a:p>
             <a:r>
-              <a:rPr lang="en-US" smtClean="0"/>
+              <a:rPr lang="en-US"/>
               <a:t>Click to edit Master title style</a:t>
             </a:r>
-            <a:endParaRPr lang="en-US"/>
           </a:p>
         </p:txBody>
       </p:sp>
@@ -810,38 +804,37 @@
           <a:p>
             <a:pPr lvl="0"/>
             <a:r>
-              <a:rPr lang="en-US" smtClean="0"/>
+              <a:rPr lang="en-US"/>
               <a:t>Click to edit Master text styles</a:t>
             </a:r>
           </a:p>
           <a:p>
             <a:pPr lvl="1"/>
             <a:r>
-              <a:rPr lang="en-US" smtClean="0"/>
+              <a:rPr lang="en-US"/>
               <a:t>Second level</a:t>
             </a:r>
           </a:p>
           <a:p>
             <a:pPr lvl="2"/>
             <a:r>
-              <a:rPr lang="en-US" smtClean="0"/>
+              <a:rPr lang="en-US"/>
               <a:t>Third level</a:t>
             </a:r>
           </a:p>
           <a:p>
             <a:pPr lvl="3"/>
             <a:r>
-              <a:rPr lang="en-US" smtClean="0"/>
+              <a:rPr lang="en-US"/>
               <a:t>Fourth level</a:t>
             </a:r>
           </a:p>
           <a:p>
             <a:pPr lvl="4"/>
             <a:r>
-              <a:rPr lang="en-US" smtClean="0"/>
+              <a:rPr lang="en-US"/>
               <a:t>Fifth level</a:t>
             </a:r>
-            <a:endParaRPr lang="en-US"/>
           </a:p>
         </p:txBody>
       </p:sp>
@@ -862,7 +855,7 @@
           <a:p>
             <a:fld id="{E70F27B2-3269-4E45-84E0-3A554EA5F6EB}" type="datetimeFigureOut">
               <a:rPr lang="en-US" smtClean="0"/>
-              <a:t>9/12/17</a:t>
+              <a:t>12/20/17</a:t>
             </a:fld>
             <a:endParaRPr lang="en-US"/>
           </a:p>
@@ -961,10 +954,9 @@
           <a:lstStyle/>
           <a:p>
             <a:r>
-              <a:rPr lang="en-US" smtClean="0"/>
+              <a:rPr lang="en-US"/>
               <a:t>Click to edit Master title style</a:t>
             </a:r>
-            <a:endParaRPr lang="en-US"/>
           </a:p>
         </p:txBody>
       </p:sp>
@@ -990,38 +982,37 @@
           <a:p>
             <a:pPr lvl="0"/>
             <a:r>
-              <a:rPr lang="en-US" smtClean="0"/>
+              <a:rPr lang="en-US"/>
               <a:t>Click to edit Master text styles</a:t>
             </a:r>
           </a:p>
           <a:p>
             <a:pPr lvl="1"/>
             <a:r>
-              <a:rPr lang="en-US" smtClean="0"/>
+              <a:rPr lang="en-US"/>
               <a:t>Second level</a:t>
             </a:r>
           </a:p>
           <a:p>
             <a:pPr lvl="2"/>
             <a:r>
-              <a:rPr lang="en-US" smtClean="0"/>
+              <a:rPr lang="en-US"/>
               <a:t>Third level</a:t>
             </a:r>
           </a:p>
           <a:p>
             <a:pPr lvl="3"/>
             <a:r>
-              <a:rPr lang="en-US" smtClean="0"/>
+              <a:rPr lang="en-US"/>
               <a:t>Fourth level</a:t>
             </a:r>
           </a:p>
           <a:p>
             <a:pPr lvl="4"/>
             <a:r>
-              <a:rPr lang="en-US" smtClean="0"/>
+              <a:rPr lang="en-US"/>
               <a:t>Fifth level</a:t>
             </a:r>
-            <a:endParaRPr lang="en-US"/>
           </a:p>
         </p:txBody>
       </p:sp>
@@ -1042,7 +1033,7 @@
           <a:p>
             <a:fld id="{E70F27B2-3269-4E45-84E0-3A554EA5F6EB}" type="datetimeFigureOut">
               <a:rPr lang="en-US" smtClean="0"/>
-              <a:t>9/12/17</a:t>
+              <a:t>12/20/17</a:t>
             </a:fld>
             <a:endParaRPr lang="en-US"/>
           </a:p>
@@ -1141,10 +1132,9 @@
           <a:lstStyle/>
           <a:p>
             <a:r>
-              <a:rPr lang="en-US" smtClean="0"/>
+              <a:rPr lang="en-US"/>
               <a:t>Click to edit Master title style</a:t>
             </a:r>
-            <a:endParaRPr lang="en-US"/>
           </a:p>
         </p:txBody>
       </p:sp>
@@ -1280,10 +1270,9 @@
           <a:lstStyle/>
           <a:p>
             <a:r>
-              <a:rPr lang="en-US" smtClean="0"/>
+              <a:rPr lang="en-US"/>
               <a:t>Click to edit Master title style</a:t>
             </a:r>
-            <a:endParaRPr lang="en-US"/>
           </a:p>
         </p:txBody>
       </p:sp>
@@ -1304,38 +1293,37 @@
           <a:p>
             <a:pPr lvl="0"/>
             <a:r>
-              <a:rPr lang="en-US" smtClean="0"/>
+              <a:rPr lang="en-US"/>
               <a:t>Click to edit Master text styles</a:t>
             </a:r>
           </a:p>
           <a:p>
             <a:pPr lvl="1"/>
             <a:r>
-              <a:rPr lang="en-US" smtClean="0"/>
+              <a:rPr lang="en-US"/>
               <a:t>Second level</a:t>
             </a:r>
           </a:p>
           <a:p>
             <a:pPr lvl="2"/>
             <a:r>
-              <a:rPr lang="en-US" smtClean="0"/>
+              <a:rPr lang="en-US"/>
               <a:t>Third level</a:t>
             </a:r>
           </a:p>
           <a:p>
             <a:pPr lvl="3"/>
             <a:r>
-              <a:rPr lang="en-US" smtClean="0"/>
+              <a:rPr lang="en-US"/>
               <a:t>Fourth level</a:t>
             </a:r>
           </a:p>
           <a:p>
             <a:pPr lvl="4"/>
             <a:r>
-              <a:rPr lang="en-US" smtClean="0"/>
+              <a:rPr lang="en-US"/>
               <a:t>Fifth level</a:t>
             </a:r>
-            <a:endParaRPr lang="en-US"/>
           </a:p>
         </p:txBody>
       </p:sp>
@@ -1356,7 +1344,7 @@
           <a:p>
             <a:fld id="{E70F27B2-3269-4E45-84E0-3A554EA5F6EB}" type="datetimeFigureOut">
               <a:rPr lang="en-US" smtClean="0"/>
-              <a:t>9/12/17</a:t>
+              <a:t>12/20/17</a:t>
             </a:fld>
             <a:endParaRPr lang="en-US"/>
           </a:p>
@@ -1459,10 +1447,9 @@
           </a:lstStyle>
           <a:p>
             <a:r>
-              <a:rPr lang="en-US" smtClean="0"/>
+              <a:rPr lang="en-US"/>
               <a:t>Click to edit Master title style</a:t>
             </a:r>
-            <a:endParaRPr lang="en-US"/>
           </a:p>
         </p:txBody>
       </p:sp>
@@ -1579,7 +1566,7 @@
           <a:p>
             <a:pPr lvl="0"/>
             <a:r>
-              <a:rPr lang="en-US" smtClean="0"/>
+              <a:rPr lang="en-US"/>
               <a:t>Click to edit Master text styles</a:t>
             </a:r>
           </a:p>
@@ -1602,7 +1589,7 @@
           <a:p>
             <a:fld id="{E70F27B2-3269-4E45-84E0-3A554EA5F6EB}" type="datetimeFigureOut">
               <a:rPr lang="en-US" smtClean="0"/>
-              <a:t>9/12/17</a:t>
+              <a:t>12/20/17</a:t>
             </a:fld>
             <a:endParaRPr lang="en-US"/>
           </a:p>
@@ -1696,10 +1683,9 @@
           <a:lstStyle/>
           <a:p>
             <a:r>
-              <a:rPr lang="en-US" smtClean="0"/>
+              <a:rPr lang="en-US"/>
               <a:t>Click to edit Master title style</a:t>
             </a:r>
-            <a:endParaRPr lang="en-US"/>
           </a:p>
         </p:txBody>
       </p:sp>
@@ -1725,38 +1711,37 @@
           <a:p>
             <a:pPr lvl="0"/>
             <a:r>
-              <a:rPr lang="en-US" smtClean="0"/>
+              <a:rPr lang="en-US"/>
               <a:t>Click to edit Master text styles</a:t>
             </a:r>
           </a:p>
           <a:p>
             <a:pPr lvl="1"/>
             <a:r>
-              <a:rPr lang="en-US" smtClean="0"/>
+              <a:rPr lang="en-US"/>
               <a:t>Second level</a:t>
             </a:r>
           </a:p>
           <a:p>
             <a:pPr lvl="2"/>
             <a:r>
-              <a:rPr lang="en-US" smtClean="0"/>
+              <a:rPr lang="en-US"/>
               <a:t>Third level</a:t>
             </a:r>
           </a:p>
           <a:p>
             <a:pPr lvl="3"/>
             <a:r>
-              <a:rPr lang="en-US" smtClean="0"/>
+              <a:rPr lang="en-US"/>
               <a:t>Fourth level</a:t>
             </a:r>
           </a:p>
           <a:p>
             <a:pPr lvl="4"/>
             <a:r>
-              <a:rPr lang="en-US" smtClean="0"/>
+              <a:rPr lang="en-US"/>
               <a:t>Fifth level</a:t>
             </a:r>
-            <a:endParaRPr lang="en-US"/>
           </a:p>
         </p:txBody>
       </p:sp>
@@ -1782,38 +1767,37 @@
           <a:p>
             <a:pPr lvl="0"/>
             <a:r>
-              <a:rPr lang="en-US" smtClean="0"/>
+              <a:rPr lang="en-US"/>
               <a:t>Click to edit Master text styles</a:t>
             </a:r>
           </a:p>
           <a:p>
             <a:pPr lvl="1"/>
             <a:r>
-              <a:rPr lang="en-US" smtClean="0"/>
+              <a:rPr lang="en-US"/>
               <a:t>Second level</a:t>
             </a:r>
           </a:p>
           <a:p>
             <a:pPr lvl="2"/>
             <a:r>
-              <a:rPr lang="en-US" smtClean="0"/>
+              <a:rPr lang="en-US"/>
               <a:t>Third level</a:t>
             </a:r>
           </a:p>
           <a:p>
             <a:pPr lvl="3"/>
             <a:r>
-              <a:rPr lang="en-US" smtClean="0"/>
+              <a:rPr lang="en-US"/>
               <a:t>Fourth level</a:t>
             </a:r>
           </a:p>
           <a:p>
             <a:pPr lvl="4"/>
             <a:r>
-              <a:rPr lang="en-US" smtClean="0"/>
+              <a:rPr lang="en-US"/>
               <a:t>Fifth level</a:t>
             </a:r>
-            <a:endParaRPr lang="en-US"/>
           </a:p>
         </p:txBody>
       </p:sp>
@@ -1834,7 +1818,7 @@
           <a:p>
             <a:fld id="{E70F27B2-3269-4E45-84E0-3A554EA5F6EB}" type="datetimeFigureOut">
               <a:rPr lang="en-US" smtClean="0"/>
-              <a:t>9/12/17</a:t>
+              <a:t>12/20/17</a:t>
             </a:fld>
             <a:endParaRPr lang="en-US"/>
           </a:p>
@@ -1933,10 +1917,9 @@
           <a:lstStyle/>
           <a:p>
             <a:r>
-              <a:rPr lang="en-US" smtClean="0"/>
+              <a:rPr lang="en-US"/>
               <a:t>Click to edit Master title style</a:t>
             </a:r>
-            <a:endParaRPr lang="en-US"/>
           </a:p>
         </p:txBody>
       </p:sp>
@@ -1999,7 +1982,7 @@
           <a:p>
             <a:pPr lvl="0"/>
             <a:r>
-              <a:rPr lang="en-US" smtClean="0"/>
+              <a:rPr lang="en-US"/>
               <a:t>Click to edit Master text styles</a:t>
             </a:r>
           </a:p>
@@ -2027,38 +2010,37 @@
           <a:p>
             <a:pPr lvl="0"/>
             <a:r>
-              <a:rPr lang="en-US" smtClean="0"/>
+              <a:rPr lang="en-US"/>
               <a:t>Click to edit Master text styles</a:t>
             </a:r>
           </a:p>
           <a:p>
             <a:pPr lvl="1"/>
             <a:r>
-              <a:rPr lang="en-US" smtClean="0"/>
+              <a:rPr lang="en-US"/>
               <a:t>Second level</a:t>
             </a:r>
           </a:p>
           <a:p>
             <a:pPr lvl="2"/>
             <a:r>
-              <a:rPr lang="en-US" smtClean="0"/>
+              <a:rPr lang="en-US"/>
               <a:t>Third level</a:t>
             </a:r>
           </a:p>
           <a:p>
             <a:pPr lvl="3"/>
             <a:r>
-              <a:rPr lang="en-US" smtClean="0"/>
+              <a:rPr lang="en-US"/>
               <a:t>Fourth level</a:t>
             </a:r>
           </a:p>
           <a:p>
             <a:pPr lvl="4"/>
             <a:r>
-              <a:rPr lang="en-US" smtClean="0"/>
+              <a:rPr lang="en-US"/>
               <a:t>Fifth level</a:t>
             </a:r>
-            <a:endParaRPr lang="en-US"/>
           </a:p>
         </p:txBody>
       </p:sp>
@@ -2121,7 +2103,7 @@
           <a:p>
             <a:pPr lvl="0"/>
             <a:r>
-              <a:rPr lang="en-US" smtClean="0"/>
+              <a:rPr lang="en-US"/>
               <a:t>Click to edit Master text styles</a:t>
             </a:r>
           </a:p>
@@ -2149,38 +2131,37 @@
           <a:p>
             <a:pPr lvl="0"/>
             <a:r>
-              <a:rPr lang="en-US" smtClean="0"/>
+              <a:rPr lang="en-US"/>
               <a:t>Click to edit Master text styles</a:t>
             </a:r>
           </a:p>
           <a:p>
             <a:pPr lvl="1"/>
             <a:r>
-              <a:rPr lang="en-US" smtClean="0"/>
+              <a:rPr lang="en-US"/>
               <a:t>Second level</a:t>
             </a:r>
           </a:p>
           <a:p>
             <a:pPr lvl="2"/>
             <a:r>
-              <a:rPr lang="en-US" smtClean="0"/>
+              <a:rPr lang="en-US"/>
               <a:t>Third level</a:t>
             </a:r>
           </a:p>
           <a:p>
             <a:pPr lvl="3"/>
             <a:r>
-              <a:rPr lang="en-US" smtClean="0"/>
+              <a:rPr lang="en-US"/>
               <a:t>Fourth level</a:t>
             </a:r>
           </a:p>
           <a:p>
             <a:pPr lvl="4"/>
             <a:r>
-              <a:rPr lang="en-US" smtClean="0"/>
+              <a:rPr lang="en-US"/>
               <a:t>Fifth level</a:t>
             </a:r>
-            <a:endParaRPr lang="en-US"/>
           </a:p>
         </p:txBody>
       </p:sp>
@@ -2201,7 +2182,7 @@
           <a:p>
             <a:fld id="{E70F27B2-3269-4E45-84E0-3A554EA5F6EB}" type="datetimeFigureOut">
               <a:rPr lang="en-US" smtClean="0"/>
-              <a:t>9/12/17</a:t>
+              <a:t>12/20/17</a:t>
             </a:fld>
             <a:endParaRPr lang="en-US"/>
           </a:p>
@@ -2295,10 +2276,9 @@
           <a:lstStyle/>
           <a:p>
             <a:r>
-              <a:rPr lang="en-US" smtClean="0"/>
+              <a:rPr lang="en-US"/>
               <a:t>Click to edit Master title style</a:t>
             </a:r>
-            <a:endParaRPr lang="en-US"/>
           </a:p>
         </p:txBody>
       </p:sp>
@@ -2319,7 +2299,7 @@
           <a:p>
             <a:fld id="{E70F27B2-3269-4E45-84E0-3A554EA5F6EB}" type="datetimeFigureOut">
               <a:rPr lang="en-US" smtClean="0"/>
-              <a:t>9/12/17</a:t>
+              <a:t>12/20/17</a:t>
             </a:fld>
             <a:endParaRPr lang="en-US"/>
           </a:p>
@@ -2414,7 +2394,7 @@
           <a:p>
             <a:fld id="{E70F27B2-3269-4E45-84E0-3A554EA5F6EB}" type="datetimeFigureOut">
               <a:rPr lang="en-US" smtClean="0"/>
-              <a:t>9/12/17</a:t>
+              <a:t>12/20/17</a:t>
             </a:fld>
             <a:endParaRPr lang="en-US"/>
           </a:p>
@@ -2517,10 +2497,9 @@
           </a:lstStyle>
           <a:p>
             <a:r>
-              <a:rPr lang="en-US" smtClean="0"/>
+              <a:rPr lang="en-US"/>
               <a:t>Click to edit Master title style</a:t>
             </a:r>
-            <a:endParaRPr lang="en-US"/>
           </a:p>
         </p:txBody>
       </p:sp>
@@ -2574,38 +2553,37 @@
           <a:p>
             <a:pPr lvl="0"/>
             <a:r>
-              <a:rPr lang="en-US" smtClean="0"/>
+              <a:rPr lang="en-US"/>
               <a:t>Click to edit Master text styles</a:t>
             </a:r>
           </a:p>
           <a:p>
             <a:pPr lvl="1"/>
             <a:r>
-              <a:rPr lang="en-US" smtClean="0"/>
+              <a:rPr lang="en-US"/>
               <a:t>Second level</a:t>
             </a:r>
           </a:p>
           <a:p>
             <a:pPr lvl="2"/>
             <a:r>
-              <a:rPr lang="en-US" smtClean="0"/>
+              <a:rPr lang="en-US"/>
               <a:t>Third level</a:t>
             </a:r>
           </a:p>
           <a:p>
             <a:pPr lvl="3"/>
             <a:r>
-              <a:rPr lang="en-US" smtClean="0"/>
+              <a:rPr lang="en-US"/>
               <a:t>Fourth level</a:t>
             </a:r>
           </a:p>
           <a:p>
             <a:pPr lvl="4"/>
             <a:r>
-              <a:rPr lang="en-US" smtClean="0"/>
+              <a:rPr lang="en-US"/>
               <a:t>Fifth level</a:t>
             </a:r>
-            <a:endParaRPr lang="en-US"/>
           </a:p>
         </p:txBody>
       </p:sp>
@@ -2668,7 +2646,7 @@
           <a:p>
             <a:pPr lvl="0"/>
             <a:r>
-              <a:rPr lang="en-US" smtClean="0"/>
+              <a:rPr lang="en-US"/>
               <a:t>Click to edit Master text styles</a:t>
             </a:r>
           </a:p>
@@ -2691,7 +2669,7 @@
           <a:p>
             <a:fld id="{E70F27B2-3269-4E45-84E0-3A554EA5F6EB}" type="datetimeFigureOut">
               <a:rPr lang="en-US" smtClean="0"/>
-              <a:t>9/12/17</a:t>
+              <a:t>12/20/17</a:t>
             </a:fld>
             <a:endParaRPr lang="en-US"/>
           </a:p>
@@ -2794,10 +2772,9 @@
           </a:lstStyle>
           <a:p>
             <a:r>
-              <a:rPr lang="en-US" smtClean="0"/>
+              <a:rPr lang="en-US"/>
               <a:t>Click to edit Master title style</a:t>
             </a:r>
-            <a:endParaRPr lang="en-US"/>
           </a:p>
         </p:txBody>
       </p:sp>
@@ -2921,7 +2898,7 @@
           <a:p>
             <a:pPr lvl="0"/>
             <a:r>
-              <a:rPr lang="en-US" smtClean="0"/>
+              <a:rPr lang="en-US"/>
               <a:t>Click to edit Master text styles</a:t>
             </a:r>
           </a:p>
@@ -2944,7 +2921,7 @@
           <a:p>
             <a:fld id="{E70F27B2-3269-4E45-84E0-3A554EA5F6EB}" type="datetimeFigureOut">
               <a:rPr lang="en-US" smtClean="0"/>
-              <a:t>9/12/17</a:t>
+              <a:t>12/20/17</a:t>
             </a:fld>
             <a:endParaRPr lang="en-US"/>
           </a:p>
@@ -3053,10 +3030,9 @@
           <a:lstStyle/>
           <a:p>
             <a:r>
-              <a:rPr lang="en-US" smtClean="0"/>
+              <a:rPr lang="en-US"/>
               <a:t>Click to edit Master title style</a:t>
             </a:r>
-            <a:endParaRPr lang="en-US"/>
           </a:p>
         </p:txBody>
       </p:sp>
@@ -3087,38 +3063,37 @@
           <a:p>
             <a:pPr lvl="0"/>
             <a:r>
-              <a:rPr lang="en-US" dirty="0" smtClean="0"/>
+              <a:rPr lang="en-US" dirty="0"/>
               <a:t>Click to edit Master text styles</a:t>
             </a:r>
           </a:p>
           <a:p>
             <a:pPr lvl="1"/>
             <a:r>
-              <a:rPr lang="en-US" dirty="0" smtClean="0"/>
+              <a:rPr lang="en-US" dirty="0"/>
               <a:t>Second level</a:t>
             </a:r>
           </a:p>
           <a:p>
             <a:pPr lvl="2"/>
             <a:r>
-              <a:rPr lang="en-US" dirty="0" smtClean="0"/>
+              <a:rPr lang="en-US" dirty="0"/>
               <a:t>Third level</a:t>
             </a:r>
           </a:p>
           <a:p>
             <a:pPr lvl="3"/>
             <a:r>
-              <a:rPr lang="en-US" dirty="0" smtClean="0"/>
+              <a:rPr lang="en-US" dirty="0"/>
               <a:t>Fourth level</a:t>
             </a:r>
           </a:p>
           <a:p>
             <a:pPr lvl="4"/>
             <a:r>
-              <a:rPr lang="en-US" dirty="0" smtClean="0"/>
+              <a:rPr lang="en-US" dirty="0"/>
               <a:t>Fifth level</a:t>
             </a:r>
-            <a:endParaRPr lang="en-US" dirty="0"/>
           </a:p>
         </p:txBody>
       </p:sp>
@@ -3157,7 +3132,7 @@
           <a:p>
             <a:fld id="{E70F27B2-3269-4E45-84E0-3A554EA5F6EB}" type="datetimeFigureOut">
               <a:rPr lang="en-US" smtClean="0"/>
-              <a:t>9/12/17</a:t>
+              <a:t>12/20/17</a:t>
             </a:fld>
             <a:endParaRPr lang="en-US"/>
           </a:p>
@@ -3195,7 +3170,7 @@
           </a:lstStyle>
           <a:p>
             <a:r>
-              <a:rPr lang="en-US" dirty="0" err="1" smtClean="0"/>
+              <a:rPr lang="en-US" dirty="0" err="1"/>
               <a:t>Bioinformatics.core@ucdavis.edu</a:t>
             </a:r>
             <a:endParaRPr lang="en-US" dirty="0"/>
@@ -3660,17 +3635,17 @@
           </a:ln>
           <a:extLst>
             <a:ext uri="{FAA26D3D-D897-4be2-8F04-BA451C77F1D7}">
-              <ma14:placeholderFlag xmlns:ma14="http://schemas.microsoft.com/office/mac/drawingml/2011/main" val="1"/>
+              <ma14:placeholderFlag xmlns:ma14="http://schemas.microsoft.com/office/mac/drawingml/2011/main" xmlns="" val="1"/>
             </a:ext>
             <a:ext uri="{909E8E84-426E-40dd-AFC4-6F175D3DCCD1}">
-              <a14:hiddenFill xmlns="" xmlns:a14="http://schemas.microsoft.com/office/drawing/2010/main">
+              <a14:hiddenFill xmlns:a14="http://schemas.microsoft.com/office/drawing/2010/main" xmlns="">
                 <a:solidFill>
                   <a:srgbClr val="FFFFFF"/>
                 </a:solidFill>
               </a14:hiddenFill>
             </a:ext>
             <a:ext uri="{91240B29-F687-4f45-9708-019B960494DF}">
-              <a14:hiddenLine xmlns="" xmlns:a14="http://schemas.microsoft.com/office/drawing/2010/main" w="9525">
+              <a14:hiddenLine xmlns:a14="http://schemas.microsoft.com/office/drawing/2010/main" xmlns="" w="9525">
                 <a:solidFill>
                   <a:srgbClr val="000000"/>
                 </a:solidFill>
@@ -3926,7 +3901,7 @@
               </a:tabLst>
             </a:pPr>
             <a:r>
-              <a:rPr lang="en-US" sz="2800" dirty="0" smtClean="0"/>
+              <a:rPr lang="en-US" sz="2800" dirty="0"/>
               <a:t>Closing Thoughts</a:t>
             </a:r>
             <a:endParaRPr lang="en-CA" sz="2903" dirty="0">
@@ -4105,13 +4080,6 @@
   <p:clrMapOvr>
     <a:masterClrMapping/>
   </p:clrMapOvr>
-  <p:timing>
-    <p:tnLst>
-      <p:par>
-        <p:cTn id="1" dur="indefinite" restart="never" nodeType="tmRoot"/>
-      </p:par>
-    </p:tnLst>
-  </p:timing>
 </p:sld>
 </file>
 
@@ -4312,13 +4280,6 @@
   <p:clrMapOvr>
     <a:masterClrMapping/>
   </p:clrMapOvr>
-  <p:timing>
-    <p:tnLst>
-      <p:par>
-        <p:cTn id="1" dur="indefinite" restart="never" nodeType="tmRoot"/>
-      </p:par>
-    </p:tnLst>
-  </p:timing>
 </p:sld>
 </file>
 
@@ -4441,13 +4402,6 @@
   <p:clrMapOvr>
     <a:masterClrMapping/>
   </p:clrMapOvr>
-  <p:timing>
-    <p:tnLst>
-      <p:par>
-        <p:cTn id="1" dur="indefinite" restart="never" nodeType="tmRoot"/>
-      </p:par>
-    </p:tnLst>
-  </p:timing>
 </p:sld>
 </file>
 
@@ -4485,11 +4439,7 @@
           <a:p>
             <a:r>
               <a:rPr lang="en-US" b="1" dirty="0"/>
-              <a:t>The Bottom Line</a:t>
-            </a:r>
-            <a:r>
-              <a:rPr lang="en-US" b="1" dirty="0" smtClean="0"/>
-              <a:t>:</a:t>
+              <a:t>The Bottom Line:</a:t>
             </a:r>
             <a:endParaRPr lang="en-US" dirty="0"/>
           </a:p>
@@ -4517,7 +4467,7 @@
           <a:lstStyle/>
           <a:p>
             <a:r>
-              <a:rPr lang="en-US" sz="3600" smtClean="0"/>
+              <a:rPr lang="en-US" sz="3600"/>
               <a:t>Spend </a:t>
             </a:r>
             <a:r>
@@ -4576,13 +4526,6 @@
   <p:clrMapOvr>
     <a:masterClrMapping/>
   </p:clrMapOvr>
-  <p:timing>
-    <p:tnLst>
-      <p:par>
-        <p:cTn id="1" dur="indefinite" restart="never" nodeType="tmRoot"/>
-      </p:par>
-    </p:tnLst>
-  </p:timing>
 </p:sld>
 </file>
 
@@ -4619,14 +4562,9 @@
           <a:lstStyle/>
           <a:p>
             <a:r>
-              <a:rPr lang="en-US" smtClean="0"/>
-              <a:t>Workshop week 2 </a:t>
-            </a:r>
-            <a:r>
-              <a:rPr lang="en-US" dirty="0" smtClean="0"/>
-              <a:t>reservation</a:t>
-            </a:r>
-            <a:endParaRPr lang="en-US" dirty="0"/>
+              <a:rPr lang="en-US" dirty="0"/>
+              <a:t>Workshop computing reservation</a:t>
+            </a:r>
           </a:p>
         </p:txBody>
       </p:sp>
@@ -4643,55 +4581,14 @@
         <p:spPr/>
         <p:txBody>
           <a:bodyPr>
-            <a:normAutofit lnSpcReduction="10000"/>
+            <a:normAutofit/>
           </a:bodyPr>
           <a:lstStyle/>
           <a:p>
             <a:r>
-              <a:rPr lang="en-US" dirty="0" smtClean="0"/>
-              <a:t>workshop     ACTIVE  Friday September 15</a:t>
-            </a:r>
-            <a:r>
-              <a:rPr lang="en-US" baseline="30000" dirty="0" smtClean="0"/>
-              <a:t>th</a:t>
-            </a:r>
-            <a:r>
-              <a:rPr lang="en-US" dirty="0" smtClean="0"/>
-              <a:t>, 2017</a:t>
-            </a:r>
-          </a:p>
-          <a:p>
-            <a:r>
-              <a:rPr lang="en-US" dirty="0" smtClean="0"/>
-              <a:t>Follow up on Friday September 15</a:t>
-            </a:r>
-            <a:r>
-              <a:rPr lang="en-US" baseline="30000" dirty="0" smtClean="0"/>
-              <a:t>th</a:t>
-            </a:r>
-            <a:r>
-              <a:rPr lang="en-US" dirty="0" smtClean="0"/>
-              <a:t> in the GBSF Auditorium</a:t>
-            </a:r>
-          </a:p>
-          <a:p>
-            <a:pPr marL="0" indent="0">
-              <a:buNone/>
-            </a:pPr>
-            <a:r>
-              <a:rPr lang="en-US" dirty="0" smtClean="0"/>
-              <a:t> </a:t>
-            </a:r>
-          </a:p>
-          <a:p>
-            <a:pPr marL="0" indent="0">
-              <a:buNone/>
-            </a:pPr>
-            <a:r>
-              <a:rPr lang="en-US" dirty="0" smtClean="0"/>
-              <a:t>My recommendation is to follow all of the instructions again, from the beginning on your own and send emails to </a:t>
-            </a:r>
-            <a:endParaRPr lang="en-US" dirty="0" smtClean="0"/>
+              <a:rPr lang="en-US" dirty="0"/>
+              <a:t>workshop     ACTIVE  Saturday Dec 23 11pm, 2017</a:t>
+            </a:r>
           </a:p>
           <a:p>
             <a:pPr marL="0" indent="0">
@@ -4704,36 +4601,49 @@
               <a:buNone/>
             </a:pPr>
             <a:r>
-              <a:rPr lang="en-US" dirty="0" smtClean="0"/>
+              <a:rPr lang="en-US" dirty="0"/>
+              <a:t>My recommendation is to follow all of the instructions again, from the beginning on your own and send emails to </a:t>
+            </a:r>
+          </a:p>
+          <a:p>
+            <a:pPr marL="0" indent="0">
+              <a:buNone/>
+            </a:pPr>
+            <a:endParaRPr lang="en-US" dirty="0"/>
+          </a:p>
+          <a:p>
+            <a:pPr marL="0" indent="0">
+              <a:buNone/>
+            </a:pPr>
+            <a:r>
+              <a:rPr lang="en-US" dirty="0"/>
               <a:t>	</a:t>
             </a:r>
             <a:r>
-              <a:rPr lang="en-US" dirty="0" smtClean="0">
+              <a:rPr lang="en-US" dirty="0">
                 <a:hlinkClick r:id="rId2"/>
               </a:rPr>
               <a:t>training.bioinformatics@ucdavis.edu</a:t>
             </a:r>
             <a:r>
-              <a:rPr lang="en-US" smtClean="0"/>
+              <a:rPr lang="en-US" dirty="0"/>
               <a:t>	</a:t>
             </a:r>
-            <a:endParaRPr lang="en-US" dirty="0" smtClean="0"/>
           </a:p>
           <a:p>
             <a:pPr marL="0" indent="0">
               <a:buNone/>
             </a:pPr>
-            <a:endParaRPr lang="en-US" dirty="0" smtClean="0"/>
+            <a:endParaRPr lang="en-US" dirty="0"/>
           </a:p>
           <a:p>
             <a:pPr marL="0" indent="0">
               <a:buNone/>
             </a:pPr>
             <a:r>
-              <a:rPr lang="en-US" dirty="0" smtClean="0"/>
+              <a:rPr lang="en-US" dirty="0"/>
               <a:t>And we will be responsive to answering questions</a:t>
             </a:r>
-            <a:endParaRPr lang="en-US" dirty="0"/>
           </a:p>
         </p:txBody>
       </p:sp>
@@ -4741,306 +4651,6 @@
     <p:extLst>
       <p:ext uri="{BB962C8B-B14F-4D97-AF65-F5344CB8AC3E}">
         <p14:creationId xmlns:p14="http://schemas.microsoft.com/office/powerpoint/2010/main" val="1403741038"/>
-      </p:ext>
-    </p:extLst>
-  </p:cSld>
-  <p:clrMapOvr>
-    <a:masterClrMapping/>
-  </p:clrMapOvr>
-  <p:timing>
-    <p:tnLst>
-      <p:par>
-        <p:cTn id="1" dur="indefinite" restart="never" nodeType="tmRoot"/>
-      </p:par>
-    </p:tnLst>
-  </p:timing>
-</p:sld>
-</file>
-
-<file path=ppt/slides/slide6.xml><?xml version="1.0" encoding="utf-8"?>
-<p:sld xmlns:a="http://schemas.openxmlformats.org/drawingml/2006/main" xmlns:r="http://schemas.openxmlformats.org/officeDocument/2006/relationships" xmlns:p="http://schemas.openxmlformats.org/presentationml/2006/main">
-  <p:cSld>
-    <p:spTree>
-      <p:nvGrpSpPr>
-        <p:cNvPr id="1" name=""/>
-        <p:cNvGrpSpPr/>
-        <p:nvPr/>
-      </p:nvGrpSpPr>
-      <p:grpSpPr>
-        <a:xfrm>
-          <a:off x="0" y="0"/>
-          <a:ext cx="0" cy="0"/>
-          <a:chOff x="0" y="0"/>
-          <a:chExt cx="0" cy="0"/>
-        </a:xfrm>
-      </p:grpSpPr>
-      <p:sp>
-        <p:nvSpPr>
-          <p:cNvPr id="2" name="Title 1"/>
-          <p:cNvSpPr>
-            <a:spLocks noGrp="1"/>
-          </p:cNvSpPr>
-          <p:nvPr>
-            <p:ph type="title"/>
-          </p:nvPr>
-        </p:nvSpPr>
-        <p:spPr>
-          <a:xfrm>
-            <a:off x="1352550" y="2860675"/>
-            <a:ext cx="10515600" cy="1325563"/>
-          </a:xfrm>
-        </p:spPr>
-        <p:txBody>
-          <a:bodyPr>
-            <a:normAutofit fontScale="90000"/>
-          </a:bodyPr>
-          <a:lstStyle/>
-          <a:p>
-            <a:r>
-              <a:rPr lang="en-US" dirty="0" smtClean="0"/>
-              <a:t>Phase Genomics Talk</a:t>
-            </a:r>
-            <a:br>
-              <a:rPr lang="en-US" dirty="0" smtClean="0"/>
-            </a:br>
-            <a:r>
-              <a:rPr lang="en-US" dirty="0" smtClean="0"/>
-              <a:t>September 19</a:t>
-            </a:r>
-            <a:r>
-              <a:rPr lang="en-US" baseline="30000" dirty="0" smtClean="0"/>
-              <a:t>th</a:t>
-            </a:r>
-            <a:r>
-              <a:rPr lang="en-US" dirty="0" smtClean="0"/>
-              <a:t/>
-            </a:r>
-            <a:br>
-              <a:rPr lang="en-US" dirty="0" smtClean="0"/>
-            </a:br>
-            <a:r>
-              <a:rPr lang="en-US" dirty="0" smtClean="0"/>
-              <a:t>Tuesday, 2:30PM</a:t>
-            </a:r>
-            <a:br>
-              <a:rPr lang="en-US" dirty="0" smtClean="0"/>
-            </a:br>
-            <a:endParaRPr lang="en-US" dirty="0"/>
-          </a:p>
-        </p:txBody>
-      </p:sp>
-      <p:pic>
-        <p:nvPicPr>
-          <p:cNvPr id="4" name="Content Placeholder 3"/>
-          <p:cNvPicPr>
-            <a:picLocks noGrp="1" noChangeAspect="1"/>
-          </p:cNvPicPr>
-          <p:nvPr>
-            <p:ph idx="1"/>
-          </p:nvPr>
-        </p:nvPicPr>
-        <p:blipFill>
-          <a:blip r:embed="rId2">
-            <a:extLst>
-              <a:ext uri="{28A0092B-C50C-407E-A947-70E740481C1C}">
-                <a14:useLocalDpi xmlns:a14="http://schemas.microsoft.com/office/drawing/2010/main" val="0"/>
-              </a:ext>
-            </a:extLst>
-          </a:blip>
-          <a:stretch>
-            <a:fillRect/>
-          </a:stretch>
-        </p:blipFill>
-        <p:spPr>
-          <a:xfrm>
-            <a:off x="6833792" y="262076"/>
-            <a:ext cx="4901008" cy="6200637"/>
-          </a:xfrm>
-        </p:spPr>
-      </p:pic>
-    </p:spTree>
-    <p:extLst>
-      <p:ext uri="{BB962C8B-B14F-4D97-AF65-F5344CB8AC3E}">
-        <p14:creationId xmlns:p14="http://schemas.microsoft.com/office/powerpoint/2010/main" val="1498289379"/>
-      </p:ext>
-    </p:extLst>
-  </p:cSld>
-  <p:clrMapOvr>
-    <a:masterClrMapping/>
-  </p:clrMapOvr>
-</p:sld>
-</file>
-
-<file path=ppt/slides/slide7.xml><?xml version="1.0" encoding="utf-8"?>
-<p:sld xmlns:a="http://schemas.openxmlformats.org/drawingml/2006/main" xmlns:r="http://schemas.openxmlformats.org/officeDocument/2006/relationships" xmlns:p="http://schemas.openxmlformats.org/presentationml/2006/main">
-  <p:cSld>
-    <p:spTree>
-      <p:nvGrpSpPr>
-        <p:cNvPr id="1" name=""/>
-        <p:cNvGrpSpPr/>
-        <p:nvPr/>
-      </p:nvGrpSpPr>
-      <p:grpSpPr>
-        <a:xfrm>
-          <a:off x="0" y="0"/>
-          <a:ext cx="0" cy="0"/>
-          <a:chOff x="0" y="0"/>
-          <a:chExt cx="0" cy="0"/>
-        </a:xfrm>
-      </p:grpSpPr>
-      <p:sp>
-        <p:nvSpPr>
-          <p:cNvPr id="2" name="Title 1"/>
-          <p:cNvSpPr>
-            <a:spLocks noGrp="1"/>
-          </p:cNvSpPr>
-          <p:nvPr>
-            <p:ph type="title"/>
-          </p:nvPr>
-        </p:nvSpPr>
-        <p:spPr>
-          <a:xfrm>
-            <a:off x="990600" y="1698625"/>
-            <a:ext cx="10515600" cy="1325563"/>
-          </a:xfrm>
-        </p:spPr>
-        <p:txBody>
-          <a:bodyPr>
-            <a:normAutofit fontScale="90000"/>
-          </a:bodyPr>
-          <a:lstStyle/>
-          <a:p>
-            <a:r>
-              <a:rPr lang="en-US" dirty="0" smtClean="0"/>
-              <a:t>KBASE Workshop</a:t>
-            </a:r>
-            <a:br>
-              <a:rPr lang="en-US" dirty="0" smtClean="0"/>
-            </a:br>
-            <a:r>
-              <a:rPr lang="en-US" dirty="0" smtClean="0"/>
-              <a:t>Sept 20</a:t>
-            </a:r>
-            <a:r>
-              <a:rPr lang="en-US" baseline="30000" dirty="0" smtClean="0"/>
-              <a:t>th</a:t>
-            </a:r>
-            <a:r>
-              <a:rPr lang="en-US" dirty="0"/>
-              <a:t/>
-            </a:r>
-            <a:br>
-              <a:rPr lang="en-US" dirty="0"/>
-            </a:br>
-            <a:r>
-              <a:rPr lang="en-US" dirty="0" smtClean="0"/>
-              <a:t>10am to 3pm</a:t>
-            </a:r>
-            <a:br>
-              <a:rPr lang="en-US" dirty="0" smtClean="0"/>
-            </a:br>
-            <a:r>
-              <a:rPr lang="en-US" dirty="0" smtClean="0"/>
-              <a:t>In Coordination with</a:t>
-            </a:r>
-            <a:br>
-              <a:rPr lang="en-US" dirty="0" smtClean="0"/>
-            </a:br>
-            <a:r>
-              <a:rPr lang="en-US" dirty="0" smtClean="0"/>
-              <a:t>the Library</a:t>
-            </a:r>
-            <a:endParaRPr lang="en-US" dirty="0"/>
-          </a:p>
-        </p:txBody>
-      </p:sp>
-      <p:pic>
-        <p:nvPicPr>
-          <p:cNvPr id="4" name="Picture 3"/>
-          <p:cNvPicPr>
-            <a:picLocks noChangeAspect="1"/>
-          </p:cNvPicPr>
-          <p:nvPr/>
-        </p:nvPicPr>
-        <p:blipFill>
-          <a:blip r:embed="rId2">
-            <a:extLst>
-              <a:ext uri="{28A0092B-C50C-407E-A947-70E740481C1C}">
-                <a14:useLocalDpi xmlns:a14="http://schemas.microsoft.com/office/drawing/2010/main" val="0"/>
-              </a:ext>
-            </a:extLst>
-          </a:blip>
-          <a:stretch>
-            <a:fillRect/>
-          </a:stretch>
-        </p:blipFill>
-        <p:spPr>
-          <a:xfrm>
-            <a:off x="4991100" y="1013301"/>
-            <a:ext cx="7353300" cy="2696210"/>
-          </a:xfrm>
-          <a:prstGeom prst="rect">
-            <a:avLst/>
-          </a:prstGeom>
-        </p:spPr>
-      </p:pic>
-      <p:sp>
-        <p:nvSpPr>
-          <p:cNvPr id="5" name="Rectangle 4"/>
-          <p:cNvSpPr/>
-          <p:nvPr/>
-        </p:nvSpPr>
-        <p:spPr>
-          <a:xfrm>
-            <a:off x="2343150" y="4834235"/>
-            <a:ext cx="8191500" cy="830997"/>
-          </a:xfrm>
-          <a:prstGeom prst="rect">
-            <a:avLst/>
-          </a:prstGeom>
-        </p:spPr>
-        <p:txBody>
-          <a:bodyPr wrap="square">
-            <a:spAutoFit/>
-          </a:bodyPr>
-          <a:lstStyle/>
-          <a:p>
-            <a:pPr algn="ctr"/>
-            <a:r>
-              <a:rPr lang="en-US" sz="2400" b="1" dirty="0">
-                <a:solidFill>
-                  <a:srgbClr val="000000"/>
-                </a:solidFill>
-                <a:latin typeface="Helvetica Neue" charset="0"/>
-              </a:rPr>
-              <a:t>A collaborative, open environment for systems biology</a:t>
-            </a:r>
-          </a:p>
-          <a:p>
-            <a:pPr algn="ctr"/>
-            <a:r>
-              <a:rPr lang="en-US" sz="2400" b="1" dirty="0">
-                <a:solidFill>
-                  <a:srgbClr val="000000"/>
-                </a:solidFill>
-                <a:latin typeface="Helvetica Neue" charset="0"/>
-              </a:rPr>
-              <a:t>of plants, microbes and their communities</a:t>
-            </a:r>
-            <a:endParaRPr lang="en-US" sz="2400" b="1" i="0" dirty="0">
-              <a:solidFill>
-                <a:srgbClr val="000000"/>
-              </a:solidFill>
-              <a:effectLst/>
-              <a:latin typeface="Helvetica Neue" charset="0"/>
-            </a:endParaRPr>
-          </a:p>
-        </p:txBody>
-      </p:sp>
-    </p:spTree>
-    <p:extLst>
-      <p:ext uri="{BB962C8B-B14F-4D97-AF65-F5344CB8AC3E}">
-        <p14:creationId xmlns:p14="http://schemas.microsoft.com/office/powerpoint/2010/main" val="1139023525"/>
       </p:ext>
     </p:extLst>
   </p:cSld>
